--- a/Gitの特徴.pptx
+++ b/Gitの特徴.pptx
@@ -4,8 +4,16 @@
   <p:sldMasterIdLst>
     <p:sldMasterId id="2147483648" r:id="rId1"/>
   </p:sldMasterIdLst>
+  <p:notesMasterIdLst>
+    <p:notesMasterId r:id="rId8"/>
+  </p:notesMasterIdLst>
   <p:sldIdLst>
     <p:sldId id="256" r:id="rId2"/>
+    <p:sldId id="257" r:id="rId3"/>
+    <p:sldId id="258" r:id="rId4"/>
+    <p:sldId id="259" r:id="rId5"/>
+    <p:sldId id="260" r:id="rId6"/>
+    <p:sldId id="261" r:id="rId7"/>
   </p:sldIdLst>
   <p:sldSz cx="12192000" cy="6858000"/>
   <p:notesSz cx="6858000" cy="9144000"/>
@@ -105,6 +113,475 @@
     </a:lvl9pPr>
   </p:defaultTextStyle>
 </p:presentation>
+</file>
+
+<file path=ppt/notesMasters/notesMaster1.xml><?xml version="1.0" encoding="utf-8"?>
+<p:notesMaster xmlns:a="http://schemas.openxmlformats.org/drawingml/2006/main" xmlns:r="http://schemas.openxmlformats.org/officeDocument/2006/relationships" xmlns:p="http://schemas.openxmlformats.org/presentationml/2006/main">
+  <p:cSld>
+    <p:bg>
+      <p:bgRef idx="1001">
+        <a:schemeClr val="bg1"/>
+      </p:bgRef>
+    </p:bg>
+    <p:spTree>
+      <p:nvGrpSpPr>
+        <p:cNvPr id="1" name=""/>
+        <p:cNvGrpSpPr/>
+        <p:nvPr/>
+      </p:nvGrpSpPr>
+      <p:grpSpPr>
+        <a:xfrm>
+          <a:off x="0" y="0"/>
+          <a:ext cx="0" cy="0"/>
+          <a:chOff x="0" y="0"/>
+          <a:chExt cx="0" cy="0"/>
+        </a:xfrm>
+      </p:grpSpPr>
+      <p:sp>
+        <p:nvSpPr>
+          <p:cNvPr id="2" name="ヘッダー プレースホルダー 1"/>
+          <p:cNvSpPr>
+            <a:spLocks noGrp="1"/>
+          </p:cNvSpPr>
+          <p:nvPr>
+            <p:ph type="hdr" sz="quarter"/>
+          </p:nvPr>
+        </p:nvSpPr>
+        <p:spPr>
+          <a:xfrm>
+            <a:off x="0" y="0"/>
+            <a:ext cx="2971800" cy="458788"/>
+          </a:xfrm>
+          <a:prstGeom prst="rect">
+            <a:avLst/>
+          </a:prstGeom>
+        </p:spPr>
+        <p:txBody>
+          <a:bodyPr vert="horz" lIns="91440" tIns="45720" rIns="91440" bIns="45720" rtlCol="0"/>
+          <a:lstStyle>
+            <a:lvl1pPr algn="l">
+              <a:defRPr sz="1200"/>
+            </a:lvl1pPr>
+          </a:lstStyle>
+          <a:p>
+            <a:endParaRPr kumimoji="1" lang="ja-JP" altLang="en-US"/>
+          </a:p>
+        </p:txBody>
+      </p:sp>
+      <p:sp>
+        <p:nvSpPr>
+          <p:cNvPr id="3" name="日付プレースホルダー 2"/>
+          <p:cNvSpPr>
+            <a:spLocks noGrp="1"/>
+          </p:cNvSpPr>
+          <p:nvPr>
+            <p:ph type="dt" idx="1"/>
+          </p:nvPr>
+        </p:nvSpPr>
+        <p:spPr>
+          <a:xfrm>
+            <a:off x="3884613" y="0"/>
+            <a:ext cx="2971800" cy="458788"/>
+          </a:xfrm>
+          <a:prstGeom prst="rect">
+            <a:avLst/>
+          </a:prstGeom>
+        </p:spPr>
+        <p:txBody>
+          <a:bodyPr vert="horz" lIns="91440" tIns="45720" rIns="91440" bIns="45720" rtlCol="0"/>
+          <a:lstStyle>
+            <a:lvl1pPr algn="r">
+              <a:defRPr sz="1200"/>
+            </a:lvl1pPr>
+          </a:lstStyle>
+          <a:p>
+            <a:fld id="{8A261CB2-B63F-43D4-8833-9E2DB818DA31}" type="datetimeFigureOut">
+              <a:rPr kumimoji="1" lang="ja-JP" altLang="en-US" smtClean="0"/>
+              <a:t>2023/1/11</a:t>
+            </a:fld>
+            <a:endParaRPr kumimoji="1" lang="ja-JP" altLang="en-US"/>
+          </a:p>
+        </p:txBody>
+      </p:sp>
+      <p:sp>
+        <p:nvSpPr>
+          <p:cNvPr id="4" name="スライド イメージ プレースホルダー 3"/>
+          <p:cNvSpPr>
+            <a:spLocks noGrp="1" noRot="1" noChangeAspect="1"/>
+          </p:cNvSpPr>
+          <p:nvPr>
+            <p:ph type="sldImg" idx="2"/>
+          </p:nvPr>
+        </p:nvSpPr>
+        <p:spPr>
+          <a:xfrm>
+            <a:off x="685800" y="1143000"/>
+            <a:ext cx="5486400" cy="3086100"/>
+          </a:xfrm>
+          <a:prstGeom prst="rect">
+            <a:avLst/>
+          </a:prstGeom>
+          <a:noFill/>
+          <a:ln w="12700">
+            <a:solidFill>
+              <a:prstClr val="black"/>
+            </a:solidFill>
+          </a:ln>
+        </p:spPr>
+        <p:txBody>
+          <a:bodyPr vert="horz" lIns="91440" tIns="45720" rIns="91440" bIns="45720" rtlCol="0" anchor="ctr"/>
+          <a:lstStyle/>
+          <a:p>
+            <a:endParaRPr lang="ja-JP" altLang="en-US"/>
+          </a:p>
+        </p:txBody>
+      </p:sp>
+      <p:sp>
+        <p:nvSpPr>
+          <p:cNvPr id="5" name="ノート プレースホルダー 4"/>
+          <p:cNvSpPr>
+            <a:spLocks noGrp="1"/>
+          </p:cNvSpPr>
+          <p:nvPr>
+            <p:ph type="body" sz="quarter" idx="3"/>
+          </p:nvPr>
+        </p:nvSpPr>
+        <p:spPr>
+          <a:xfrm>
+            <a:off x="685800" y="4400550"/>
+            <a:ext cx="5486400" cy="3600450"/>
+          </a:xfrm>
+          <a:prstGeom prst="rect">
+            <a:avLst/>
+          </a:prstGeom>
+        </p:spPr>
+        <p:txBody>
+          <a:bodyPr vert="horz" lIns="91440" tIns="45720" rIns="91440" bIns="45720" rtlCol="0"/>
+          <a:lstStyle/>
+          <a:p>
+            <a:pPr lvl="0"/>
+            <a:r>
+              <a:rPr kumimoji="1" lang="ja-JP" altLang="en-US"/>
+              <a:t>マスター テキストの書式設定</a:t>
+            </a:r>
+          </a:p>
+          <a:p>
+            <a:pPr lvl="1"/>
+            <a:r>
+              <a:rPr kumimoji="1" lang="ja-JP" altLang="en-US"/>
+              <a:t>第 </a:t>
+            </a:r>
+            <a:r>
+              <a:rPr kumimoji="1" lang="en-US" altLang="ja-JP"/>
+              <a:t>2 </a:t>
+            </a:r>
+            <a:r>
+              <a:rPr kumimoji="1" lang="ja-JP" altLang="en-US"/>
+              <a:t>レベル</a:t>
+            </a:r>
+          </a:p>
+          <a:p>
+            <a:pPr lvl="2"/>
+            <a:r>
+              <a:rPr kumimoji="1" lang="ja-JP" altLang="en-US"/>
+              <a:t>第 </a:t>
+            </a:r>
+            <a:r>
+              <a:rPr kumimoji="1" lang="en-US" altLang="ja-JP"/>
+              <a:t>3 </a:t>
+            </a:r>
+            <a:r>
+              <a:rPr kumimoji="1" lang="ja-JP" altLang="en-US"/>
+              <a:t>レベル</a:t>
+            </a:r>
+          </a:p>
+          <a:p>
+            <a:pPr lvl="3"/>
+            <a:r>
+              <a:rPr kumimoji="1" lang="ja-JP" altLang="en-US"/>
+              <a:t>第 </a:t>
+            </a:r>
+            <a:r>
+              <a:rPr kumimoji="1" lang="en-US" altLang="ja-JP"/>
+              <a:t>4 </a:t>
+            </a:r>
+            <a:r>
+              <a:rPr kumimoji="1" lang="ja-JP" altLang="en-US"/>
+              <a:t>レベル</a:t>
+            </a:r>
+          </a:p>
+          <a:p>
+            <a:pPr lvl="4"/>
+            <a:r>
+              <a:rPr kumimoji="1" lang="ja-JP" altLang="en-US"/>
+              <a:t>第 </a:t>
+            </a:r>
+            <a:r>
+              <a:rPr kumimoji="1" lang="en-US" altLang="ja-JP"/>
+              <a:t>5 </a:t>
+            </a:r>
+            <a:r>
+              <a:rPr kumimoji="1" lang="ja-JP" altLang="en-US"/>
+              <a:t>レベル</a:t>
+            </a:r>
+          </a:p>
+        </p:txBody>
+      </p:sp>
+      <p:sp>
+        <p:nvSpPr>
+          <p:cNvPr id="6" name="フッター プレースホルダー 5"/>
+          <p:cNvSpPr>
+            <a:spLocks noGrp="1"/>
+          </p:cNvSpPr>
+          <p:nvPr>
+            <p:ph type="ftr" sz="quarter" idx="4"/>
+          </p:nvPr>
+        </p:nvSpPr>
+        <p:spPr>
+          <a:xfrm>
+            <a:off x="0" y="8685213"/>
+            <a:ext cx="2971800" cy="458787"/>
+          </a:xfrm>
+          <a:prstGeom prst="rect">
+            <a:avLst/>
+          </a:prstGeom>
+        </p:spPr>
+        <p:txBody>
+          <a:bodyPr vert="horz" lIns="91440" tIns="45720" rIns="91440" bIns="45720" rtlCol="0" anchor="b"/>
+          <a:lstStyle>
+            <a:lvl1pPr algn="l">
+              <a:defRPr sz="1200"/>
+            </a:lvl1pPr>
+          </a:lstStyle>
+          <a:p>
+            <a:endParaRPr kumimoji="1" lang="ja-JP" altLang="en-US"/>
+          </a:p>
+        </p:txBody>
+      </p:sp>
+      <p:sp>
+        <p:nvSpPr>
+          <p:cNvPr id="7" name="スライド番号プレースホルダー 6"/>
+          <p:cNvSpPr>
+            <a:spLocks noGrp="1"/>
+          </p:cNvSpPr>
+          <p:nvPr>
+            <p:ph type="sldNum" sz="quarter" idx="5"/>
+          </p:nvPr>
+        </p:nvSpPr>
+        <p:spPr>
+          <a:xfrm>
+            <a:off x="3884613" y="8685213"/>
+            <a:ext cx="2971800" cy="458787"/>
+          </a:xfrm>
+          <a:prstGeom prst="rect">
+            <a:avLst/>
+          </a:prstGeom>
+        </p:spPr>
+        <p:txBody>
+          <a:bodyPr vert="horz" lIns="91440" tIns="45720" rIns="91440" bIns="45720" rtlCol="0" anchor="b"/>
+          <a:lstStyle>
+            <a:lvl1pPr algn="r">
+              <a:defRPr sz="1200"/>
+            </a:lvl1pPr>
+          </a:lstStyle>
+          <a:p>
+            <a:fld id="{5ECF6C64-B6ED-4D24-84F7-992DAFCA5494}" type="slidenum">
+              <a:rPr kumimoji="1" lang="ja-JP" altLang="en-US" smtClean="0"/>
+              <a:t>‹#›</a:t>
+            </a:fld>
+            <a:endParaRPr kumimoji="1" lang="ja-JP" altLang="en-US"/>
+          </a:p>
+        </p:txBody>
+      </p:sp>
+    </p:spTree>
+    <p:extLst>
+      <p:ext uri="{BB962C8B-B14F-4D97-AF65-F5344CB8AC3E}">
+        <p14:creationId xmlns:p14="http://schemas.microsoft.com/office/powerpoint/2010/main" val="313252069"/>
+      </p:ext>
+    </p:extLst>
+  </p:cSld>
+  <p:clrMap bg1="lt1" tx1="dk1" bg2="lt2" tx2="dk2" accent1="accent1" accent2="accent2" accent3="accent3" accent4="accent4" accent5="accent5" accent6="accent6" hlink="hlink" folHlink="folHlink"/>
+  <p:notesStyle>
+    <a:lvl1pPr marL="0" algn="l" defTabSz="914400" rtl="0" eaLnBrk="1" latinLnBrk="0" hangingPunct="1">
+      <a:defRPr kumimoji="1" sz="1200" kern="1200">
+        <a:solidFill>
+          <a:schemeClr val="tx1"/>
+        </a:solidFill>
+        <a:latin typeface="+mn-lt"/>
+        <a:ea typeface="+mn-ea"/>
+        <a:cs typeface="+mn-cs"/>
+      </a:defRPr>
+    </a:lvl1pPr>
+    <a:lvl2pPr marL="457200" algn="l" defTabSz="914400" rtl="0" eaLnBrk="1" latinLnBrk="0" hangingPunct="1">
+      <a:defRPr kumimoji="1" sz="1200" kern="1200">
+        <a:solidFill>
+          <a:schemeClr val="tx1"/>
+        </a:solidFill>
+        <a:latin typeface="+mn-lt"/>
+        <a:ea typeface="+mn-ea"/>
+        <a:cs typeface="+mn-cs"/>
+      </a:defRPr>
+    </a:lvl2pPr>
+    <a:lvl3pPr marL="914400" algn="l" defTabSz="914400" rtl="0" eaLnBrk="1" latinLnBrk="0" hangingPunct="1">
+      <a:defRPr kumimoji="1" sz="1200" kern="1200">
+        <a:solidFill>
+          <a:schemeClr val="tx1"/>
+        </a:solidFill>
+        <a:latin typeface="+mn-lt"/>
+        <a:ea typeface="+mn-ea"/>
+        <a:cs typeface="+mn-cs"/>
+      </a:defRPr>
+    </a:lvl3pPr>
+    <a:lvl4pPr marL="1371600" algn="l" defTabSz="914400" rtl="0" eaLnBrk="1" latinLnBrk="0" hangingPunct="1">
+      <a:defRPr kumimoji="1" sz="1200" kern="1200">
+        <a:solidFill>
+          <a:schemeClr val="tx1"/>
+        </a:solidFill>
+        <a:latin typeface="+mn-lt"/>
+        <a:ea typeface="+mn-ea"/>
+        <a:cs typeface="+mn-cs"/>
+      </a:defRPr>
+    </a:lvl4pPr>
+    <a:lvl5pPr marL="1828800" algn="l" defTabSz="914400" rtl="0" eaLnBrk="1" latinLnBrk="0" hangingPunct="1">
+      <a:defRPr kumimoji="1" sz="1200" kern="1200">
+        <a:solidFill>
+          <a:schemeClr val="tx1"/>
+        </a:solidFill>
+        <a:latin typeface="+mn-lt"/>
+        <a:ea typeface="+mn-ea"/>
+        <a:cs typeface="+mn-cs"/>
+      </a:defRPr>
+    </a:lvl5pPr>
+    <a:lvl6pPr marL="2286000" algn="l" defTabSz="914400" rtl="0" eaLnBrk="1" latinLnBrk="0" hangingPunct="1">
+      <a:defRPr kumimoji="1" sz="1200" kern="1200">
+        <a:solidFill>
+          <a:schemeClr val="tx1"/>
+        </a:solidFill>
+        <a:latin typeface="+mn-lt"/>
+        <a:ea typeface="+mn-ea"/>
+        <a:cs typeface="+mn-cs"/>
+      </a:defRPr>
+    </a:lvl6pPr>
+    <a:lvl7pPr marL="2743200" algn="l" defTabSz="914400" rtl="0" eaLnBrk="1" latinLnBrk="0" hangingPunct="1">
+      <a:defRPr kumimoji="1" sz="1200" kern="1200">
+        <a:solidFill>
+          <a:schemeClr val="tx1"/>
+        </a:solidFill>
+        <a:latin typeface="+mn-lt"/>
+        <a:ea typeface="+mn-ea"/>
+        <a:cs typeface="+mn-cs"/>
+      </a:defRPr>
+    </a:lvl7pPr>
+    <a:lvl8pPr marL="3200400" algn="l" defTabSz="914400" rtl="0" eaLnBrk="1" latinLnBrk="0" hangingPunct="1">
+      <a:defRPr kumimoji="1" sz="1200" kern="1200">
+        <a:solidFill>
+          <a:schemeClr val="tx1"/>
+        </a:solidFill>
+        <a:latin typeface="+mn-lt"/>
+        <a:ea typeface="+mn-ea"/>
+        <a:cs typeface="+mn-cs"/>
+      </a:defRPr>
+    </a:lvl8pPr>
+    <a:lvl9pPr marL="3657600" algn="l" defTabSz="914400" rtl="0" eaLnBrk="1" latinLnBrk="0" hangingPunct="1">
+      <a:defRPr kumimoji="1" sz="1200" kern="1200">
+        <a:solidFill>
+          <a:schemeClr val="tx1"/>
+        </a:solidFill>
+        <a:latin typeface="+mn-lt"/>
+        <a:ea typeface="+mn-ea"/>
+        <a:cs typeface="+mn-cs"/>
+      </a:defRPr>
+    </a:lvl9pPr>
+  </p:notesStyle>
+</p:notesMaster>
+</file>
+
+<file path=ppt/notesSlides/notesSlide1.xml><?xml version="1.0" encoding="utf-8"?>
+<p:notes xmlns:a="http://schemas.openxmlformats.org/drawingml/2006/main" xmlns:r="http://schemas.openxmlformats.org/officeDocument/2006/relationships" xmlns:p="http://schemas.openxmlformats.org/presentationml/2006/main">
+  <p:cSld>
+    <p:spTree>
+      <p:nvGrpSpPr>
+        <p:cNvPr id="1" name=""/>
+        <p:cNvGrpSpPr/>
+        <p:nvPr/>
+      </p:nvGrpSpPr>
+      <p:grpSpPr>
+        <a:xfrm>
+          <a:off x="0" y="0"/>
+          <a:ext cx="0" cy="0"/>
+          <a:chOff x="0" y="0"/>
+          <a:chExt cx="0" cy="0"/>
+        </a:xfrm>
+      </p:grpSpPr>
+      <p:sp>
+        <p:nvSpPr>
+          <p:cNvPr id="2" name="スライド イメージ プレースホルダー 1"/>
+          <p:cNvSpPr>
+            <a:spLocks noGrp="1" noRot="1" noChangeAspect="1"/>
+          </p:cNvSpPr>
+          <p:nvPr>
+            <p:ph type="sldImg"/>
+          </p:nvPr>
+        </p:nvSpPr>
+        <p:spPr/>
+      </p:sp>
+      <p:sp>
+        <p:nvSpPr>
+          <p:cNvPr id="3" name="ノート プレースホルダー 2"/>
+          <p:cNvSpPr>
+            <a:spLocks noGrp="1"/>
+          </p:cNvSpPr>
+          <p:nvPr>
+            <p:ph type="body" idx="1"/>
+          </p:nvPr>
+        </p:nvSpPr>
+        <p:spPr/>
+        <p:txBody>
+          <a:bodyPr/>
+          <a:lstStyle/>
+          <a:p>
+            <a:r>
+              <a:rPr kumimoji="1" lang="en-US" altLang="ja-JP" dirty="0"/>
+              <a:t>https://amg-solution.jp/blog/27854</a:t>
+            </a:r>
+            <a:endParaRPr kumimoji="1" lang="ja-JP" altLang="en-US" dirty="0"/>
+          </a:p>
+        </p:txBody>
+      </p:sp>
+      <p:sp>
+        <p:nvSpPr>
+          <p:cNvPr id="4" name="スライド番号プレースホルダー 3"/>
+          <p:cNvSpPr>
+            <a:spLocks noGrp="1"/>
+          </p:cNvSpPr>
+          <p:nvPr>
+            <p:ph type="sldNum" sz="quarter" idx="5"/>
+          </p:nvPr>
+        </p:nvSpPr>
+        <p:spPr/>
+        <p:txBody>
+          <a:bodyPr/>
+          <a:lstStyle/>
+          <a:p>
+            <a:fld id="{5ECF6C64-B6ED-4D24-84F7-992DAFCA5494}" type="slidenum">
+              <a:rPr kumimoji="1" lang="ja-JP" altLang="en-US" smtClean="0"/>
+              <a:t>1</a:t>
+            </a:fld>
+            <a:endParaRPr kumimoji="1" lang="ja-JP" altLang="en-US"/>
+          </a:p>
+        </p:txBody>
+      </p:sp>
+    </p:spTree>
+    <p:extLst>
+      <p:ext uri="{BB962C8B-B14F-4D97-AF65-F5344CB8AC3E}">
+        <p14:creationId xmlns:p14="http://schemas.microsoft.com/office/powerpoint/2010/main" val="2042024895"/>
+      </p:ext>
+    </p:extLst>
+  </p:cSld>
+  <p:clrMapOvr>
+    <a:masterClrMapping/>
+  </p:clrMapOvr>
+</p:notes>
 </file>
 
 <file path=ppt/slideLayouts/slideLayout1.xml><?xml version="1.0" encoding="utf-8"?>
@@ -3609,6 +4086,51 @@
           <a:chExt cx="0" cy="0"/>
         </a:xfrm>
       </p:grpSpPr>
+      <p:pic>
+        <p:nvPicPr>
+          <p:cNvPr id="7" name="Picture 2">
+            <a:extLst>
+              <a:ext uri="{FF2B5EF4-FFF2-40B4-BE49-F238E27FC236}">
+                <a16:creationId xmlns:a16="http://schemas.microsoft.com/office/drawing/2014/main" id="{B68B2671-B3A9-D401-7F80-1AC2A41B0E7C}"/>
+              </a:ext>
+            </a:extLst>
+          </p:cNvPr>
+          <p:cNvPicPr>
+            <a:picLocks noChangeAspect="1" noChangeArrowheads="1"/>
+          </p:cNvPicPr>
+          <p:nvPr/>
+        </p:nvPicPr>
+        <p:blipFill rotWithShape="1">
+          <a:blip r:embed="rId3">
+            <a:extLst>
+              <a:ext uri="{28A0092B-C50C-407E-A947-70E740481C1C}">
+                <a14:useLocalDpi xmlns:a14="http://schemas.microsoft.com/office/drawing/2010/main" val="0"/>
+              </a:ext>
+            </a:extLst>
+          </a:blip>
+          <a:srcRect l="6020" t="3205" r="8048" b="7612"/>
+          <a:stretch/>
+        </p:blipFill>
+        <p:spPr bwMode="auto">
+          <a:xfrm>
+            <a:off x="5561814" y="1825625"/>
+            <a:ext cx="6419654" cy="3755044"/>
+          </a:xfrm>
+          <a:prstGeom prst="rect">
+            <a:avLst/>
+          </a:prstGeom>
+          <a:noFill/>
+          <a:extLst>
+            <a:ext uri="{909E8E84-426E-40DD-AFC4-6F175D3DCCD1}">
+              <a14:hiddenFill xmlns:a14="http://schemas.microsoft.com/office/drawing/2010/main">
+                <a:solidFill>
+                  <a:srgbClr val="FFFFFF"/>
+                </a:solidFill>
+              </a14:hiddenFill>
+            </a:ext>
+          </a:extLst>
+        </p:spPr>
+      </p:pic>
       <p:sp>
         <p:nvSpPr>
           <p:cNvPr id="4" name="タイトル 3">
@@ -3665,56 +4187,75 @@
             <a:spLocks noGrp="1"/>
           </p:cNvSpPr>
           <p:nvPr>
-            <p:ph idx="1"/>
+            <p:ph sz="half" idx="1"/>
           </p:nvPr>
         </p:nvSpPr>
         <p:spPr/>
         <p:txBody>
-          <a:bodyPr/>
-          <a:lstStyle/>
-          <a:p>
-            <a:r>
-              <a:rPr lang="ja-JP" altLang="en-US" dirty="0"/>
+          <a:bodyPr>
+            <a:normAutofit/>
+          </a:bodyPr>
+          <a:lstStyle/>
+          <a:p>
+            <a:r>
+              <a:rPr lang="ja-JP" altLang="en-US" sz="1800" b="1" dirty="0"/>
               <a:t>ファイルの変更履歴が管理できる</a:t>
             </a:r>
-            <a:endParaRPr lang="en-US" altLang="ja-JP" dirty="0"/>
-          </a:p>
-          <a:p>
-            <a:r>
-              <a:rPr lang="ja-JP" altLang="en-US" dirty="0"/>
+            <a:endParaRPr lang="en-US" altLang="ja-JP" sz="1800" b="1" dirty="0"/>
+          </a:p>
+          <a:p>
+            <a:endParaRPr lang="en-US" altLang="ja-JP" sz="1800" b="1" dirty="0"/>
+          </a:p>
+          <a:p>
+            <a:r>
+              <a:rPr lang="ja-JP" altLang="en-US" sz="1800" b="1" dirty="0"/>
               <a:t>過去のファイルに戻せる</a:t>
             </a:r>
-            <a:endParaRPr lang="en-US" altLang="ja-JP" dirty="0"/>
-          </a:p>
-          <a:p>
-            <a:r>
-              <a:rPr lang="ja-JP" altLang="en-US" dirty="0"/>
+            <a:endParaRPr lang="en-US" altLang="ja-JP" sz="1800" b="1" dirty="0"/>
+          </a:p>
+          <a:p>
+            <a:endParaRPr lang="en-US" altLang="ja-JP" sz="1800" b="1" dirty="0"/>
+          </a:p>
+          <a:p>
+            <a:r>
+              <a:rPr lang="ja-JP" altLang="en-US" sz="1800" b="1" dirty="0"/>
               <a:t>ソースコードだけでなく</a:t>
             </a:r>
             <a:r>
-              <a:rPr lang="en-US" altLang="ja-JP" dirty="0"/>
+              <a:rPr lang="en-US" altLang="ja-JP" sz="1800" b="1" dirty="0"/>
               <a:t>Excel</a:t>
             </a:r>
             <a:r>
-              <a:rPr lang="ja-JP" altLang="en-US" dirty="0"/>
+              <a:rPr lang="ja-JP" altLang="en-US" sz="1800" b="1" dirty="0"/>
               <a:t>ファイルや、</a:t>
             </a:r>
-            <a:endParaRPr lang="en-US" altLang="ja-JP" dirty="0"/>
+            <a:endParaRPr lang="en-US" altLang="ja-JP" sz="1800" b="1" dirty="0"/>
           </a:p>
           <a:p>
             <a:pPr marL="0" indent="0">
               <a:buNone/>
             </a:pPr>
             <a:r>
-              <a:rPr lang="ja-JP" altLang="en-US" dirty="0"/>
+              <a:rPr lang="ja-JP" altLang="en-US" sz="1800" b="1" dirty="0"/>
               <a:t>　画像など、あらゆるファイルを管理できる</a:t>
             </a:r>
-            <a:endParaRPr lang="en-US" altLang="ja-JP" dirty="0"/>
-          </a:p>
-          <a:p>
-            <a:r>
-              <a:rPr lang="ja-JP" altLang="en-US" dirty="0"/>
+            <a:endParaRPr lang="en-US" altLang="ja-JP" sz="1800" b="1" dirty="0"/>
+          </a:p>
+          <a:p>
+            <a:endParaRPr lang="en-US" altLang="ja-JP" sz="1800" b="1" dirty="0"/>
+          </a:p>
+          <a:p>
+            <a:r>
+              <a:rPr lang="ja-JP" altLang="en-US" sz="1800" b="1" dirty="0"/>
               <a:t>ネットを使用すればチームで共有できる</a:t>
+            </a:r>
+            <a:endParaRPr lang="en-US" altLang="ja-JP" sz="1800" b="1" dirty="0"/>
+          </a:p>
+          <a:p>
+            <a:pPr lvl="1"/>
+            <a:r>
+              <a:rPr lang="ja-JP" altLang="en-US" sz="1600" b="1" dirty="0"/>
+              <a:t>チームで修正した部分を統合できる</a:t>
             </a:r>
           </a:p>
         </p:txBody>
@@ -3723,6 +4264,1236 @@
     <p:extLst>
       <p:ext uri="{BB962C8B-B14F-4D97-AF65-F5344CB8AC3E}">
         <p14:creationId xmlns:p14="http://schemas.microsoft.com/office/powerpoint/2010/main" val="2392882873"/>
+      </p:ext>
+    </p:extLst>
+  </p:cSld>
+  <p:clrMapOvr>
+    <a:masterClrMapping/>
+  </p:clrMapOvr>
+</p:sld>
+</file>
+
+<file path=ppt/slides/slide2.xml><?xml version="1.0" encoding="utf-8"?>
+<p:sld xmlns:a="http://schemas.openxmlformats.org/drawingml/2006/main" xmlns:r="http://schemas.openxmlformats.org/officeDocument/2006/relationships" xmlns:p="http://schemas.openxmlformats.org/presentationml/2006/main">
+  <p:cSld>
+    <p:spTree>
+      <p:nvGrpSpPr>
+        <p:cNvPr id="1" name=""/>
+        <p:cNvGrpSpPr/>
+        <p:nvPr/>
+      </p:nvGrpSpPr>
+      <p:grpSpPr>
+        <a:xfrm>
+          <a:off x="0" y="0"/>
+          <a:ext cx="0" cy="0"/>
+          <a:chOff x="0" y="0"/>
+          <a:chExt cx="0" cy="0"/>
+        </a:xfrm>
+      </p:grpSpPr>
+      <p:pic>
+        <p:nvPicPr>
+          <p:cNvPr id="1028" name="Picture 4">
+            <a:extLst>
+              <a:ext uri="{FF2B5EF4-FFF2-40B4-BE49-F238E27FC236}">
+                <a16:creationId xmlns:a16="http://schemas.microsoft.com/office/drawing/2014/main" id="{A913511F-70F7-E0CD-1330-AA36498730AC}"/>
+              </a:ext>
+            </a:extLst>
+          </p:cNvPr>
+          <p:cNvPicPr>
+            <a:picLocks noChangeAspect="1" noChangeArrowheads="1"/>
+          </p:cNvPicPr>
+          <p:nvPr/>
+        </p:nvPicPr>
+        <p:blipFill rotWithShape="1">
+          <a:blip r:embed="rId2">
+            <a:extLst>
+              <a:ext uri="{28A0092B-C50C-407E-A947-70E740481C1C}">
+                <a14:useLocalDpi xmlns:a14="http://schemas.microsoft.com/office/drawing/2010/main" val="0"/>
+              </a:ext>
+            </a:extLst>
+          </a:blip>
+          <a:srcRect l="9986" r="5010"/>
+          <a:stretch/>
+        </p:blipFill>
+        <p:spPr bwMode="auto">
+          <a:xfrm>
+            <a:off x="5444237" y="1366887"/>
+            <a:ext cx="6747764" cy="4473985"/>
+          </a:xfrm>
+          <a:prstGeom prst="rect">
+            <a:avLst/>
+          </a:prstGeom>
+          <a:noFill/>
+          <a:extLst>
+            <a:ext uri="{909E8E84-426E-40DD-AFC4-6F175D3DCCD1}">
+              <a14:hiddenFill xmlns:a14="http://schemas.microsoft.com/office/drawing/2010/main">
+                <a:solidFill>
+                  <a:srgbClr val="FFFFFF"/>
+                </a:solidFill>
+              </a14:hiddenFill>
+            </a:ext>
+          </a:extLst>
+        </p:spPr>
+      </p:pic>
+      <p:sp>
+        <p:nvSpPr>
+          <p:cNvPr id="4" name="タイトル 3">
+            <a:extLst>
+              <a:ext uri="{FF2B5EF4-FFF2-40B4-BE49-F238E27FC236}">
+                <a16:creationId xmlns:a16="http://schemas.microsoft.com/office/drawing/2014/main" id="{16A3B361-FAD7-7AA6-73B2-7245DC0E4772}"/>
+              </a:ext>
+            </a:extLst>
+          </p:cNvPr>
+          <p:cNvSpPr>
+            <a:spLocks noGrp="1"/>
+          </p:cNvSpPr>
+          <p:nvPr>
+            <p:ph type="title"/>
+          </p:nvPr>
+        </p:nvSpPr>
+        <p:spPr/>
+        <p:txBody>
+          <a:bodyPr/>
+          <a:lstStyle/>
+          <a:p>
+            <a:r>
+              <a:rPr lang="ja-JP" altLang="en-US" dirty="0"/>
+              <a:t>リポジトリ</a:t>
+            </a:r>
+          </a:p>
+        </p:txBody>
+      </p:sp>
+      <p:sp>
+        <p:nvSpPr>
+          <p:cNvPr id="5" name="コンテンツ プレースホルダー 4">
+            <a:extLst>
+              <a:ext uri="{FF2B5EF4-FFF2-40B4-BE49-F238E27FC236}">
+                <a16:creationId xmlns:a16="http://schemas.microsoft.com/office/drawing/2014/main" id="{5F18781B-0263-4A8B-4276-51FA286167FA}"/>
+              </a:ext>
+            </a:extLst>
+          </p:cNvPr>
+          <p:cNvSpPr>
+            <a:spLocks noGrp="1"/>
+          </p:cNvSpPr>
+          <p:nvPr>
+            <p:ph sz="half" idx="1"/>
+          </p:nvPr>
+        </p:nvSpPr>
+        <p:spPr/>
+        <p:txBody>
+          <a:bodyPr/>
+          <a:lstStyle/>
+          <a:p>
+            <a:r>
+              <a:rPr lang="ja-JP" altLang="en-US" b="0" i="0" dirty="0">
+                <a:solidFill>
+                  <a:srgbClr val="2F2F2F"/>
+                </a:solidFill>
+                <a:effectLst/>
+                <a:latin typeface="Noto Sans JP"/>
+              </a:rPr>
+              <a:t>リモートリポジトリ</a:t>
+            </a:r>
+            <a:endParaRPr lang="en-US" altLang="ja-JP" b="0" i="0" dirty="0">
+              <a:solidFill>
+                <a:srgbClr val="2F2F2F"/>
+              </a:solidFill>
+              <a:effectLst/>
+              <a:latin typeface="Noto Sans JP"/>
+            </a:endParaRPr>
+          </a:p>
+          <a:p>
+            <a:pPr lvl="1"/>
+            <a:r>
+              <a:rPr lang="ja-JP" altLang="en-US" sz="2000" b="0" i="0" dirty="0">
+                <a:solidFill>
+                  <a:srgbClr val="2F2F2F"/>
+                </a:solidFill>
+                <a:effectLst/>
+                <a:latin typeface="Noto Sans JP"/>
+              </a:rPr>
+              <a:t>皆で共有するためのリポジトリ</a:t>
+            </a:r>
+            <a:endParaRPr lang="en-US" altLang="ja-JP" sz="2000" b="0" i="0" dirty="0">
+              <a:solidFill>
+                <a:srgbClr val="2F2F2F"/>
+              </a:solidFill>
+              <a:effectLst/>
+              <a:latin typeface="Noto Sans JP"/>
+            </a:endParaRPr>
+          </a:p>
+          <a:p>
+            <a:pPr lvl="1"/>
+            <a:r>
+              <a:rPr lang="ja-JP" altLang="en-US" sz="2000" b="0" i="0" dirty="0">
+                <a:solidFill>
+                  <a:srgbClr val="2F2F2F"/>
+                </a:solidFill>
+                <a:effectLst/>
+                <a:latin typeface="Noto Sans JP"/>
+              </a:rPr>
+              <a:t>サーバー上に配置されている</a:t>
+            </a:r>
+            <a:endParaRPr lang="en-US" altLang="ja-JP" sz="2000" b="0" i="0" dirty="0">
+              <a:solidFill>
+                <a:srgbClr val="2F2F2F"/>
+              </a:solidFill>
+              <a:effectLst/>
+              <a:latin typeface="Noto Sans JP"/>
+            </a:endParaRPr>
+          </a:p>
+          <a:p>
+            <a:pPr lvl="1"/>
+            <a:endParaRPr lang="en-US" altLang="ja-JP" sz="2000" dirty="0">
+              <a:solidFill>
+                <a:srgbClr val="2F2F2F"/>
+              </a:solidFill>
+              <a:latin typeface="Noto Sans JP"/>
+            </a:endParaRPr>
+          </a:p>
+          <a:p>
+            <a:pPr lvl="1"/>
+            <a:endParaRPr lang="en-US" altLang="ja-JP" sz="2000" b="0" i="0" dirty="0">
+              <a:solidFill>
+                <a:srgbClr val="2F2F2F"/>
+              </a:solidFill>
+              <a:effectLst/>
+              <a:latin typeface="Noto Sans JP"/>
+            </a:endParaRPr>
+          </a:p>
+          <a:p>
+            <a:r>
+              <a:rPr lang="ja-JP" altLang="en-US" b="0" i="0" dirty="0">
+                <a:solidFill>
+                  <a:srgbClr val="2F2F2F"/>
+                </a:solidFill>
+                <a:effectLst/>
+                <a:latin typeface="Noto Sans JP"/>
+              </a:rPr>
+              <a:t>ローカルリポジトリ</a:t>
+            </a:r>
+            <a:endParaRPr lang="en-US" altLang="ja-JP" b="0" i="0" dirty="0">
+              <a:solidFill>
+                <a:srgbClr val="2F2F2F"/>
+              </a:solidFill>
+              <a:effectLst/>
+              <a:latin typeface="Noto Sans JP"/>
+            </a:endParaRPr>
+          </a:p>
+          <a:p>
+            <a:pPr lvl="1"/>
+            <a:r>
+              <a:rPr lang="ja-JP" altLang="en-US" sz="2000" b="0" i="0" dirty="0">
+                <a:solidFill>
+                  <a:srgbClr val="2F2F2F"/>
+                </a:solidFill>
+                <a:effectLst/>
+                <a:latin typeface="Noto Sans JP"/>
+              </a:rPr>
+              <a:t>個人で作業するためのリポジトリ</a:t>
+            </a:r>
+            <a:endParaRPr lang="en-US" altLang="ja-JP" sz="2000" dirty="0">
+              <a:solidFill>
+                <a:srgbClr val="2F2F2F"/>
+              </a:solidFill>
+              <a:latin typeface="Noto Sans JP"/>
+            </a:endParaRPr>
+          </a:p>
+          <a:p>
+            <a:pPr lvl="1"/>
+            <a:r>
+              <a:rPr lang="ja-JP" altLang="en-US" sz="2000" b="0" i="0" dirty="0">
+                <a:solidFill>
+                  <a:srgbClr val="2F2F2F"/>
+                </a:solidFill>
+                <a:effectLst/>
+                <a:latin typeface="Noto Sans JP"/>
+              </a:rPr>
+              <a:t>各個人の</a:t>
+            </a:r>
+            <a:r>
+              <a:rPr lang="en-US" altLang="ja-JP" sz="2000" b="0" i="0" dirty="0">
+                <a:solidFill>
+                  <a:srgbClr val="2F2F2F"/>
+                </a:solidFill>
+                <a:effectLst/>
+                <a:latin typeface="Noto Sans JP"/>
+              </a:rPr>
+              <a:t>PC</a:t>
+            </a:r>
+            <a:r>
+              <a:rPr lang="ja-JP" altLang="en-US" sz="2000" b="0" i="0" dirty="0">
+                <a:solidFill>
+                  <a:srgbClr val="2F2F2F"/>
+                </a:solidFill>
+                <a:effectLst/>
+                <a:latin typeface="Noto Sans JP"/>
+              </a:rPr>
+              <a:t>に配置する</a:t>
+            </a:r>
+            <a:endParaRPr lang="ja-JP" altLang="en-US" sz="2000" dirty="0"/>
+          </a:p>
+        </p:txBody>
+      </p:sp>
+    </p:spTree>
+    <p:extLst>
+      <p:ext uri="{BB962C8B-B14F-4D97-AF65-F5344CB8AC3E}">
+        <p14:creationId xmlns:p14="http://schemas.microsoft.com/office/powerpoint/2010/main" val="2505557985"/>
+      </p:ext>
+    </p:extLst>
+  </p:cSld>
+  <p:clrMapOvr>
+    <a:masterClrMapping/>
+  </p:clrMapOvr>
+</p:sld>
+</file>
+
+<file path=ppt/slides/slide3.xml><?xml version="1.0" encoding="utf-8"?>
+<p:sld xmlns:a="http://schemas.openxmlformats.org/drawingml/2006/main" xmlns:r="http://schemas.openxmlformats.org/officeDocument/2006/relationships" xmlns:p="http://schemas.openxmlformats.org/presentationml/2006/main">
+  <p:cSld>
+    <p:spTree>
+      <p:nvGrpSpPr>
+        <p:cNvPr id="1" name=""/>
+        <p:cNvGrpSpPr/>
+        <p:nvPr/>
+      </p:nvGrpSpPr>
+      <p:grpSpPr>
+        <a:xfrm>
+          <a:off x="0" y="0"/>
+          <a:ext cx="0" cy="0"/>
+          <a:chOff x="0" y="0"/>
+          <a:chExt cx="0" cy="0"/>
+        </a:xfrm>
+      </p:grpSpPr>
+      <p:sp>
+        <p:nvSpPr>
+          <p:cNvPr id="2" name="タイトル 1">
+            <a:extLst>
+              <a:ext uri="{FF2B5EF4-FFF2-40B4-BE49-F238E27FC236}">
+                <a16:creationId xmlns:a16="http://schemas.microsoft.com/office/drawing/2014/main" id="{AC7CD524-9290-C957-BB11-1522221D4467}"/>
+              </a:ext>
+            </a:extLst>
+          </p:cNvPr>
+          <p:cNvSpPr>
+            <a:spLocks noGrp="1"/>
+          </p:cNvSpPr>
+          <p:nvPr>
+            <p:ph type="title"/>
+          </p:nvPr>
+        </p:nvSpPr>
+        <p:spPr/>
+        <p:txBody>
+          <a:bodyPr/>
+          <a:lstStyle/>
+          <a:p>
+            <a:r>
+              <a:rPr kumimoji="1" lang="ja-JP" altLang="en-US" dirty="0"/>
+              <a:t>ブランチ</a:t>
+            </a:r>
+          </a:p>
+        </p:txBody>
+      </p:sp>
+      <p:sp>
+        <p:nvSpPr>
+          <p:cNvPr id="3" name="コンテンツ プレースホルダー 2">
+            <a:extLst>
+              <a:ext uri="{FF2B5EF4-FFF2-40B4-BE49-F238E27FC236}">
+                <a16:creationId xmlns:a16="http://schemas.microsoft.com/office/drawing/2014/main" id="{B5B63BC1-7851-DF7B-9155-AE7C92501453}"/>
+              </a:ext>
+            </a:extLst>
+          </p:cNvPr>
+          <p:cNvSpPr>
+            <a:spLocks noGrp="1"/>
+          </p:cNvSpPr>
+          <p:nvPr>
+            <p:ph sz="half" idx="1"/>
+          </p:nvPr>
+        </p:nvSpPr>
+        <p:spPr/>
+        <p:txBody>
+          <a:bodyPr/>
+          <a:lstStyle/>
+          <a:p>
+            <a:r>
+              <a:rPr kumimoji="1" lang="ja-JP" altLang="en-US" dirty="0"/>
+              <a:t>並行して別々のバージョンを更新し、個別に保存できる</a:t>
+            </a:r>
+            <a:endParaRPr kumimoji="1" lang="en-US" altLang="ja-JP" dirty="0"/>
+          </a:p>
+          <a:p>
+            <a:endParaRPr lang="en-US" altLang="ja-JP" dirty="0"/>
+          </a:p>
+          <a:p>
+            <a:pPr lvl="1"/>
+            <a:r>
+              <a:rPr lang="ja-JP" altLang="en-US" b="0" i="0" dirty="0">
+                <a:solidFill>
+                  <a:srgbClr val="2F2F2F"/>
+                </a:solidFill>
+                <a:effectLst/>
+                <a:latin typeface="Noto Sans JP"/>
+              </a:rPr>
+              <a:t>ブランチ</a:t>
+            </a:r>
+            <a:r>
+              <a:rPr lang="en-US" altLang="ja-JP" b="0" i="0" dirty="0">
+                <a:solidFill>
+                  <a:srgbClr val="2F2F2F"/>
+                </a:solidFill>
+                <a:effectLst/>
+                <a:latin typeface="Noto Sans JP"/>
+              </a:rPr>
+              <a:t>A</a:t>
+            </a:r>
+            <a:r>
+              <a:rPr lang="ja-JP" altLang="en-US" b="0" i="0" dirty="0">
+                <a:solidFill>
+                  <a:srgbClr val="2F2F2F"/>
+                </a:solidFill>
+                <a:effectLst/>
+                <a:latin typeface="Noto Sans JP"/>
+              </a:rPr>
+              <a:t>の画面</a:t>
+            </a:r>
+            <a:r>
+              <a:rPr lang="en-US" altLang="ja-JP" b="0" i="0" dirty="0">
+                <a:solidFill>
+                  <a:srgbClr val="2F2F2F"/>
+                </a:solidFill>
+                <a:effectLst/>
+                <a:latin typeface="Noto Sans JP"/>
+              </a:rPr>
+              <a:t>A</a:t>
+            </a:r>
+            <a:r>
+              <a:rPr lang="ja-JP" altLang="en-US" b="0" i="0" dirty="0">
+                <a:solidFill>
+                  <a:srgbClr val="2F2F2F"/>
+                </a:solidFill>
+                <a:effectLst/>
+                <a:latin typeface="Noto Sans JP"/>
+              </a:rPr>
+              <a:t>とブランチ</a:t>
+            </a:r>
+            <a:r>
+              <a:rPr lang="en-US" altLang="ja-JP" b="0" i="0" dirty="0">
+                <a:solidFill>
+                  <a:srgbClr val="2F2F2F"/>
+                </a:solidFill>
+                <a:effectLst/>
+                <a:latin typeface="Noto Sans JP"/>
+              </a:rPr>
+              <a:t>B</a:t>
+            </a:r>
+            <a:r>
+              <a:rPr lang="ja-JP" altLang="en-US" b="0" i="0" dirty="0">
+                <a:solidFill>
+                  <a:srgbClr val="2F2F2F"/>
+                </a:solidFill>
+                <a:effectLst/>
+                <a:latin typeface="Noto Sans JP"/>
+              </a:rPr>
+              <a:t>の画面</a:t>
+            </a:r>
+            <a:r>
+              <a:rPr lang="en-US" altLang="ja-JP" b="0" i="0" dirty="0">
+                <a:solidFill>
+                  <a:srgbClr val="2F2F2F"/>
+                </a:solidFill>
+                <a:effectLst/>
+                <a:latin typeface="Noto Sans JP"/>
+              </a:rPr>
+              <a:t>B</a:t>
+            </a:r>
+            <a:r>
+              <a:rPr lang="ja-JP" altLang="en-US" b="0" i="0" dirty="0">
+                <a:solidFill>
+                  <a:srgbClr val="2F2F2F"/>
+                </a:solidFill>
+                <a:effectLst/>
+                <a:latin typeface="Noto Sans JP"/>
+              </a:rPr>
+              <a:t>を更新しても、それぞれのブランチには影響しない</a:t>
+            </a:r>
+            <a:endParaRPr kumimoji="1" lang="ja-JP" altLang="en-US" dirty="0"/>
+          </a:p>
+        </p:txBody>
+      </p:sp>
+      <p:pic>
+        <p:nvPicPr>
+          <p:cNvPr id="3074" name="Picture 2">
+            <a:extLst>
+              <a:ext uri="{FF2B5EF4-FFF2-40B4-BE49-F238E27FC236}">
+                <a16:creationId xmlns:a16="http://schemas.microsoft.com/office/drawing/2014/main" id="{CC083CC8-FA4D-D1E0-28FB-3D6B36BDA777}"/>
+              </a:ext>
+            </a:extLst>
+          </p:cNvPr>
+          <p:cNvPicPr>
+            <a:picLocks noChangeAspect="1" noChangeArrowheads="1"/>
+          </p:cNvPicPr>
+          <p:nvPr/>
+        </p:nvPicPr>
+        <p:blipFill rotWithShape="1">
+          <a:blip r:embed="rId2">
+            <a:extLst>
+              <a:ext uri="{28A0092B-C50C-407E-A947-70E740481C1C}">
+                <a14:useLocalDpi xmlns:a14="http://schemas.microsoft.com/office/drawing/2010/main" val="0"/>
+              </a:ext>
+            </a:extLst>
+          </a:blip>
+          <a:srcRect l="11007" t="14725" r="20464" b="14300"/>
+          <a:stretch/>
+        </p:blipFill>
+        <p:spPr bwMode="auto">
+          <a:xfrm>
+            <a:off x="5796468" y="1517524"/>
+            <a:ext cx="6395531" cy="3733205"/>
+          </a:xfrm>
+          <a:prstGeom prst="rect">
+            <a:avLst/>
+          </a:prstGeom>
+          <a:noFill/>
+          <a:extLst>
+            <a:ext uri="{909E8E84-426E-40DD-AFC4-6F175D3DCCD1}">
+              <a14:hiddenFill xmlns:a14="http://schemas.microsoft.com/office/drawing/2010/main">
+                <a:solidFill>
+                  <a:srgbClr val="FFFFFF"/>
+                </a:solidFill>
+              </a14:hiddenFill>
+            </a:ext>
+          </a:extLst>
+        </p:spPr>
+      </p:pic>
+    </p:spTree>
+    <p:extLst>
+      <p:ext uri="{BB962C8B-B14F-4D97-AF65-F5344CB8AC3E}">
+        <p14:creationId xmlns:p14="http://schemas.microsoft.com/office/powerpoint/2010/main" val="3291904966"/>
+      </p:ext>
+    </p:extLst>
+  </p:cSld>
+  <p:clrMapOvr>
+    <a:masterClrMapping/>
+  </p:clrMapOvr>
+</p:sld>
+</file>
+
+<file path=ppt/slides/slide4.xml><?xml version="1.0" encoding="utf-8"?>
+<p:sld xmlns:a="http://schemas.openxmlformats.org/drawingml/2006/main" xmlns:r="http://schemas.openxmlformats.org/officeDocument/2006/relationships" xmlns:p="http://schemas.openxmlformats.org/presentationml/2006/main">
+  <p:cSld>
+    <p:spTree>
+      <p:nvGrpSpPr>
+        <p:cNvPr id="1" name=""/>
+        <p:cNvGrpSpPr/>
+        <p:nvPr/>
+      </p:nvGrpSpPr>
+      <p:grpSpPr>
+        <a:xfrm>
+          <a:off x="0" y="0"/>
+          <a:ext cx="0" cy="0"/>
+          <a:chOff x="0" y="0"/>
+          <a:chExt cx="0" cy="0"/>
+        </a:xfrm>
+      </p:grpSpPr>
+      <p:sp>
+        <p:nvSpPr>
+          <p:cNvPr id="2" name="タイトル 1">
+            <a:extLst>
+              <a:ext uri="{FF2B5EF4-FFF2-40B4-BE49-F238E27FC236}">
+                <a16:creationId xmlns:a16="http://schemas.microsoft.com/office/drawing/2014/main" id="{AD43C905-F605-DF6D-0D7B-39F6C3EA3430}"/>
+              </a:ext>
+            </a:extLst>
+          </p:cNvPr>
+          <p:cNvSpPr>
+            <a:spLocks noGrp="1"/>
+          </p:cNvSpPr>
+          <p:nvPr>
+            <p:ph type="title"/>
+          </p:nvPr>
+        </p:nvSpPr>
+        <p:spPr/>
+        <p:txBody>
+          <a:bodyPr/>
+          <a:lstStyle/>
+          <a:p>
+            <a:r>
+              <a:rPr kumimoji="1" lang="ja-JP" altLang="en-US" dirty="0"/>
+              <a:t>コミット</a:t>
+            </a:r>
+          </a:p>
+        </p:txBody>
+      </p:sp>
+      <p:sp>
+        <p:nvSpPr>
+          <p:cNvPr id="3" name="コンテンツ プレースホルダー 2">
+            <a:extLst>
+              <a:ext uri="{FF2B5EF4-FFF2-40B4-BE49-F238E27FC236}">
+                <a16:creationId xmlns:a16="http://schemas.microsoft.com/office/drawing/2014/main" id="{8D20EBA1-90ED-9BF3-33CF-B4C704C02107}"/>
+              </a:ext>
+            </a:extLst>
+          </p:cNvPr>
+          <p:cNvSpPr>
+            <a:spLocks noGrp="1"/>
+          </p:cNvSpPr>
+          <p:nvPr>
+            <p:ph sz="half" idx="1"/>
+          </p:nvPr>
+        </p:nvSpPr>
+        <p:spPr/>
+        <p:txBody>
+          <a:bodyPr>
+            <a:normAutofit/>
+          </a:bodyPr>
+          <a:lstStyle/>
+          <a:p>
+            <a:r>
+              <a:rPr lang="ja-JP" altLang="en-US" sz="2000" b="0" i="0" dirty="0">
+                <a:solidFill>
+                  <a:srgbClr val="2F2F2F"/>
+                </a:solidFill>
+                <a:effectLst/>
+                <a:latin typeface="Noto Sans JP"/>
+              </a:rPr>
+              <a:t>ブランチ</a:t>
+            </a:r>
+            <a:r>
+              <a:rPr lang="en-US" altLang="ja-JP" sz="2000" b="0" i="0" dirty="0">
+                <a:solidFill>
+                  <a:srgbClr val="2F2F2F"/>
+                </a:solidFill>
+                <a:effectLst/>
+                <a:latin typeface="Noto Sans JP"/>
+              </a:rPr>
+              <a:t>A</a:t>
+            </a:r>
+            <a:r>
+              <a:rPr lang="ja-JP" altLang="en-US" sz="2000" b="0" i="0" dirty="0">
+                <a:solidFill>
+                  <a:srgbClr val="2F2F2F"/>
+                </a:solidFill>
+                <a:effectLst/>
+                <a:latin typeface="Noto Sans JP"/>
+              </a:rPr>
+              <a:t>の修正をローカルで行った場合、内容をブランチ</a:t>
+            </a:r>
+            <a:r>
+              <a:rPr lang="en-US" altLang="ja-JP" sz="2000" b="0" i="0" dirty="0">
+                <a:solidFill>
+                  <a:srgbClr val="2F2F2F"/>
+                </a:solidFill>
+                <a:effectLst/>
+                <a:latin typeface="Noto Sans JP"/>
+              </a:rPr>
+              <a:t>A</a:t>
+            </a:r>
+            <a:r>
+              <a:rPr lang="ja-JP" altLang="en-US" sz="2000" b="0" i="0" dirty="0">
+                <a:solidFill>
+                  <a:srgbClr val="2F2F2F"/>
+                </a:solidFill>
+                <a:effectLst/>
+                <a:latin typeface="Noto Sans JP"/>
+              </a:rPr>
+              <a:t>に反映</a:t>
+            </a:r>
+            <a:r>
+              <a:rPr lang="en-US" altLang="ja-JP" sz="2000" b="0" i="0" dirty="0">
+                <a:solidFill>
+                  <a:srgbClr val="2F2F2F"/>
+                </a:solidFill>
+                <a:effectLst/>
+                <a:latin typeface="Noto Sans JP"/>
+              </a:rPr>
+              <a:t>(</a:t>
+            </a:r>
+            <a:r>
+              <a:rPr lang="ja-JP" altLang="en-US" sz="2000" b="1" i="0" dirty="0">
+                <a:solidFill>
+                  <a:srgbClr val="2F2F2F"/>
+                </a:solidFill>
+                <a:effectLst/>
+                <a:latin typeface="Noto Sans JP"/>
+              </a:rPr>
+              <a:t>コミット</a:t>
+            </a:r>
+            <a:r>
+              <a:rPr lang="en-US" altLang="ja-JP" sz="2000" b="0" i="0" dirty="0">
+                <a:solidFill>
+                  <a:srgbClr val="2F2F2F"/>
+                </a:solidFill>
+                <a:effectLst/>
+                <a:latin typeface="Noto Sans JP"/>
+              </a:rPr>
+              <a:t>)</a:t>
+            </a:r>
+            <a:r>
+              <a:rPr lang="ja-JP" altLang="en-US" sz="2000" b="0" i="0" dirty="0">
+                <a:solidFill>
+                  <a:srgbClr val="2F2F2F"/>
+                </a:solidFill>
+                <a:effectLst/>
+                <a:latin typeface="Noto Sans JP"/>
+              </a:rPr>
+              <a:t>させる必要がある</a:t>
+            </a:r>
+            <a:endParaRPr lang="en-US" altLang="ja-JP" sz="2000" b="0" i="0" dirty="0">
+              <a:solidFill>
+                <a:srgbClr val="2F2F2F"/>
+              </a:solidFill>
+              <a:effectLst/>
+              <a:latin typeface="Noto Sans JP"/>
+            </a:endParaRPr>
+          </a:p>
+          <a:p>
+            <a:endParaRPr kumimoji="1" lang="en-US" altLang="ja-JP" sz="2000" dirty="0">
+              <a:solidFill>
+                <a:srgbClr val="2F2F2F"/>
+              </a:solidFill>
+              <a:latin typeface="Noto Sans JP"/>
+            </a:endParaRPr>
+          </a:p>
+          <a:p>
+            <a:r>
+              <a:rPr lang="ja-JP" altLang="en-US" sz="2000" b="0" i="0" dirty="0">
+                <a:solidFill>
+                  <a:srgbClr val="2F2F2F"/>
+                </a:solidFill>
+                <a:effectLst/>
+                <a:latin typeface="Noto Sans JP"/>
+              </a:rPr>
+              <a:t>コミットを行った段階では、</a:t>
+            </a:r>
+            <a:endParaRPr lang="en-US" altLang="ja-JP" sz="2000" b="0" i="0" dirty="0">
+              <a:solidFill>
+                <a:srgbClr val="2F2F2F"/>
+              </a:solidFill>
+              <a:effectLst/>
+              <a:latin typeface="Noto Sans JP"/>
+            </a:endParaRPr>
+          </a:p>
+          <a:p>
+            <a:pPr marL="0" indent="0">
+              <a:buNone/>
+            </a:pPr>
+            <a:r>
+              <a:rPr lang="ja-JP" altLang="en-US" sz="2000" dirty="0">
+                <a:solidFill>
+                  <a:srgbClr val="2F2F2F"/>
+                </a:solidFill>
+                <a:latin typeface="Noto Sans JP"/>
+              </a:rPr>
+              <a:t>　</a:t>
+            </a:r>
+            <a:r>
+              <a:rPr lang="ja-JP" altLang="en-US" sz="2000" b="0" i="0" dirty="0">
+                <a:solidFill>
+                  <a:srgbClr val="FF0000"/>
+                </a:solidFill>
+                <a:effectLst/>
+                <a:latin typeface="Noto Sans JP"/>
+              </a:rPr>
+              <a:t>ローカルリポジトリに対してのみ</a:t>
+            </a:r>
+            <a:r>
+              <a:rPr lang="ja-JP" altLang="en-US" sz="2000" b="0" i="0" dirty="0">
+                <a:solidFill>
+                  <a:srgbClr val="2F2F2F"/>
+                </a:solidFill>
+                <a:effectLst/>
+                <a:latin typeface="Noto Sans JP"/>
+              </a:rPr>
+              <a:t>変更が</a:t>
+            </a:r>
+            <a:endParaRPr lang="en-US" altLang="ja-JP" sz="2000" b="0" i="0" dirty="0">
+              <a:solidFill>
+                <a:srgbClr val="2F2F2F"/>
+              </a:solidFill>
+              <a:effectLst/>
+              <a:latin typeface="Noto Sans JP"/>
+            </a:endParaRPr>
+          </a:p>
+          <a:p>
+            <a:pPr marL="0" indent="0">
+              <a:buNone/>
+            </a:pPr>
+            <a:r>
+              <a:rPr lang="ja-JP" altLang="en-US" sz="2000" dirty="0">
+                <a:solidFill>
+                  <a:srgbClr val="2F2F2F"/>
+                </a:solidFill>
+                <a:latin typeface="Noto Sans JP"/>
+              </a:rPr>
+              <a:t>　</a:t>
+            </a:r>
+            <a:r>
+              <a:rPr lang="ja-JP" altLang="en-US" sz="2000" b="0" i="0" dirty="0">
+                <a:solidFill>
+                  <a:srgbClr val="2F2F2F"/>
+                </a:solidFill>
+                <a:effectLst/>
+                <a:latin typeface="Noto Sans JP"/>
+              </a:rPr>
+              <a:t>反映されている状態となる</a:t>
+            </a:r>
+            <a:endParaRPr kumimoji="1" lang="ja-JP" altLang="en-US" sz="2000" dirty="0"/>
+          </a:p>
+        </p:txBody>
+      </p:sp>
+      <p:pic>
+        <p:nvPicPr>
+          <p:cNvPr id="4098" name="Picture 2">
+            <a:extLst>
+              <a:ext uri="{FF2B5EF4-FFF2-40B4-BE49-F238E27FC236}">
+                <a16:creationId xmlns:a16="http://schemas.microsoft.com/office/drawing/2014/main" id="{A2A6EF41-C97A-CE11-B905-8A978F7A7A75}"/>
+              </a:ext>
+            </a:extLst>
+          </p:cNvPr>
+          <p:cNvPicPr>
+            <a:picLocks noChangeAspect="1" noChangeArrowheads="1"/>
+          </p:cNvPicPr>
+          <p:nvPr/>
+        </p:nvPicPr>
+        <p:blipFill rotWithShape="1">
+          <a:blip r:embed="rId2">
+            <a:extLst>
+              <a:ext uri="{28A0092B-C50C-407E-A947-70E740481C1C}">
+                <a14:useLocalDpi xmlns:a14="http://schemas.microsoft.com/office/drawing/2010/main" val="0"/>
+              </a:ext>
+            </a:extLst>
+          </a:blip>
+          <a:srcRect l="5696" t="17552" r="7872" b="18825"/>
+          <a:stretch/>
+        </p:blipFill>
+        <p:spPr bwMode="auto">
+          <a:xfrm>
+            <a:off x="6096000" y="2347273"/>
+            <a:ext cx="6044078" cy="2507531"/>
+          </a:xfrm>
+          <a:prstGeom prst="rect">
+            <a:avLst/>
+          </a:prstGeom>
+          <a:noFill/>
+          <a:extLst>
+            <a:ext uri="{909E8E84-426E-40DD-AFC4-6F175D3DCCD1}">
+              <a14:hiddenFill xmlns:a14="http://schemas.microsoft.com/office/drawing/2010/main">
+                <a:solidFill>
+                  <a:srgbClr val="FFFFFF"/>
+                </a:solidFill>
+              </a14:hiddenFill>
+            </a:ext>
+          </a:extLst>
+        </p:spPr>
+      </p:pic>
+    </p:spTree>
+    <p:extLst>
+      <p:ext uri="{BB962C8B-B14F-4D97-AF65-F5344CB8AC3E}">
+        <p14:creationId xmlns:p14="http://schemas.microsoft.com/office/powerpoint/2010/main" val="3598026747"/>
+      </p:ext>
+    </p:extLst>
+  </p:cSld>
+  <p:clrMapOvr>
+    <a:masterClrMapping/>
+  </p:clrMapOvr>
+</p:sld>
+</file>
+
+<file path=ppt/slides/slide5.xml><?xml version="1.0" encoding="utf-8"?>
+<p:sld xmlns:a="http://schemas.openxmlformats.org/drawingml/2006/main" xmlns:r="http://schemas.openxmlformats.org/officeDocument/2006/relationships" xmlns:p="http://schemas.openxmlformats.org/presentationml/2006/main">
+  <p:cSld>
+    <p:spTree>
+      <p:nvGrpSpPr>
+        <p:cNvPr id="1" name=""/>
+        <p:cNvGrpSpPr/>
+        <p:nvPr/>
+      </p:nvGrpSpPr>
+      <p:grpSpPr>
+        <a:xfrm>
+          <a:off x="0" y="0"/>
+          <a:ext cx="0" cy="0"/>
+          <a:chOff x="0" y="0"/>
+          <a:chExt cx="0" cy="0"/>
+        </a:xfrm>
+      </p:grpSpPr>
+      <p:sp>
+        <p:nvSpPr>
+          <p:cNvPr id="2" name="タイトル 1">
+            <a:extLst>
+              <a:ext uri="{FF2B5EF4-FFF2-40B4-BE49-F238E27FC236}">
+                <a16:creationId xmlns:a16="http://schemas.microsoft.com/office/drawing/2014/main" id="{D40EE529-E05A-0A2E-DF1A-3D02DC8A4B46}"/>
+              </a:ext>
+            </a:extLst>
+          </p:cNvPr>
+          <p:cNvSpPr>
+            <a:spLocks noGrp="1"/>
+          </p:cNvSpPr>
+          <p:nvPr>
+            <p:ph type="title"/>
+          </p:nvPr>
+        </p:nvSpPr>
+        <p:spPr/>
+        <p:txBody>
+          <a:bodyPr/>
+          <a:lstStyle/>
+          <a:p>
+            <a:r>
+              <a:rPr kumimoji="1" lang="ja-JP" altLang="en-US" dirty="0"/>
+              <a:t>プッシュ</a:t>
+            </a:r>
+          </a:p>
+        </p:txBody>
+      </p:sp>
+      <p:sp>
+        <p:nvSpPr>
+          <p:cNvPr id="3" name="コンテンツ プレースホルダー 2">
+            <a:extLst>
+              <a:ext uri="{FF2B5EF4-FFF2-40B4-BE49-F238E27FC236}">
+                <a16:creationId xmlns:a16="http://schemas.microsoft.com/office/drawing/2014/main" id="{65183D59-8788-225C-976A-220A150611B5}"/>
+              </a:ext>
+            </a:extLst>
+          </p:cNvPr>
+          <p:cNvSpPr>
+            <a:spLocks noGrp="1"/>
+          </p:cNvSpPr>
+          <p:nvPr>
+            <p:ph idx="1"/>
+          </p:nvPr>
+        </p:nvSpPr>
+        <p:spPr/>
+        <p:txBody>
+          <a:bodyPr/>
+          <a:lstStyle/>
+          <a:p>
+            <a:r>
+              <a:rPr kumimoji="1" lang="ja-JP" altLang="en-US" dirty="0"/>
+              <a:t>ローカルリポジトリでの変更内容をリモートリポジトリに反映させるのが</a:t>
+            </a:r>
+            <a:r>
+              <a:rPr kumimoji="1" lang="ja-JP" altLang="en-US" b="1" dirty="0"/>
+              <a:t>プッシュ</a:t>
+            </a:r>
+          </a:p>
+        </p:txBody>
+      </p:sp>
+      <p:grpSp>
+        <p:nvGrpSpPr>
+          <p:cNvPr id="6" name="グループ化 5">
+            <a:extLst>
+              <a:ext uri="{FF2B5EF4-FFF2-40B4-BE49-F238E27FC236}">
+                <a16:creationId xmlns:a16="http://schemas.microsoft.com/office/drawing/2014/main" id="{F968E67E-69E8-CD4B-23A4-8C99443ADF42}"/>
+              </a:ext>
+            </a:extLst>
+          </p:cNvPr>
+          <p:cNvGrpSpPr/>
+          <p:nvPr/>
+        </p:nvGrpSpPr>
+        <p:grpSpPr>
+          <a:xfrm>
+            <a:off x="87076" y="2771480"/>
+            <a:ext cx="12017847" cy="3889537"/>
+            <a:chOff x="1055803" y="3429000"/>
+            <a:chExt cx="9927994" cy="3213163"/>
+          </a:xfrm>
+        </p:grpSpPr>
+        <p:pic>
+          <p:nvPicPr>
+            <p:cNvPr id="5122" name="Picture 2">
+              <a:extLst>
+                <a:ext uri="{FF2B5EF4-FFF2-40B4-BE49-F238E27FC236}">
+                  <a16:creationId xmlns:a16="http://schemas.microsoft.com/office/drawing/2014/main" id="{D918EA84-57D4-890C-53FB-37BD7DBA2118}"/>
+                </a:ext>
+              </a:extLst>
+            </p:cNvPr>
+            <p:cNvPicPr>
+              <a:picLocks noChangeAspect="1" noChangeArrowheads="1"/>
+            </p:cNvPicPr>
+            <p:nvPr/>
+          </p:nvPicPr>
+          <p:blipFill>
+            <a:blip r:embed="rId2">
+              <a:extLst>
+                <a:ext uri="{28A0092B-C50C-407E-A947-70E740481C1C}">
+                  <a14:useLocalDpi xmlns:a14="http://schemas.microsoft.com/office/drawing/2010/main" val="0"/>
+                </a:ext>
+              </a:extLst>
+            </a:blip>
+            <a:srcRect/>
+            <a:stretch>
+              <a:fillRect/>
+            </a:stretch>
+          </p:blipFill>
+          <p:spPr bwMode="auto">
+            <a:xfrm>
+              <a:off x="1055803" y="3429000"/>
+              <a:ext cx="4963997" cy="3213163"/>
+            </a:xfrm>
+            <a:prstGeom prst="rect">
+              <a:avLst/>
+            </a:prstGeom>
+            <a:noFill/>
+            <a:extLst>
+              <a:ext uri="{909E8E84-426E-40DD-AFC4-6F175D3DCCD1}">
+                <a14:hiddenFill xmlns:a14="http://schemas.microsoft.com/office/drawing/2010/main">
+                  <a:solidFill>
+                    <a:srgbClr val="FFFFFF"/>
+                  </a:solidFill>
+                </a14:hiddenFill>
+              </a:ext>
+            </a:extLst>
+          </p:spPr>
+        </p:pic>
+        <p:pic>
+          <p:nvPicPr>
+            <p:cNvPr id="5124" name="Picture 4">
+              <a:extLst>
+                <a:ext uri="{FF2B5EF4-FFF2-40B4-BE49-F238E27FC236}">
+                  <a16:creationId xmlns:a16="http://schemas.microsoft.com/office/drawing/2014/main" id="{5CD6AA53-74D6-B038-25EF-60207926081D}"/>
+                </a:ext>
+              </a:extLst>
+            </p:cNvPr>
+            <p:cNvPicPr>
+              <a:picLocks noChangeAspect="1" noChangeArrowheads="1"/>
+            </p:cNvPicPr>
+            <p:nvPr/>
+          </p:nvPicPr>
+          <p:blipFill>
+            <a:blip r:embed="rId3">
+              <a:extLst>
+                <a:ext uri="{28A0092B-C50C-407E-A947-70E740481C1C}">
+                  <a14:useLocalDpi xmlns:a14="http://schemas.microsoft.com/office/drawing/2010/main" val="0"/>
+                </a:ext>
+              </a:extLst>
+            </a:blip>
+            <a:srcRect/>
+            <a:stretch>
+              <a:fillRect/>
+            </a:stretch>
+          </p:blipFill>
+          <p:spPr bwMode="auto">
+            <a:xfrm>
+              <a:off x="6019800" y="3429000"/>
+              <a:ext cx="4963997" cy="3213163"/>
+            </a:xfrm>
+            <a:prstGeom prst="rect">
+              <a:avLst/>
+            </a:prstGeom>
+            <a:noFill/>
+            <a:extLst>
+              <a:ext uri="{909E8E84-426E-40DD-AFC4-6F175D3DCCD1}">
+                <a14:hiddenFill xmlns:a14="http://schemas.microsoft.com/office/drawing/2010/main">
+                  <a:solidFill>
+                    <a:srgbClr val="FFFFFF"/>
+                  </a:solidFill>
+                </a14:hiddenFill>
+              </a:ext>
+            </a:extLst>
+          </p:spPr>
+        </p:pic>
+      </p:grpSp>
+    </p:spTree>
+    <p:extLst>
+      <p:ext uri="{BB962C8B-B14F-4D97-AF65-F5344CB8AC3E}">
+        <p14:creationId xmlns:p14="http://schemas.microsoft.com/office/powerpoint/2010/main" val="4160595806"/>
+      </p:ext>
+    </p:extLst>
+  </p:cSld>
+  <p:clrMapOvr>
+    <a:masterClrMapping/>
+  </p:clrMapOvr>
+</p:sld>
+</file>
+
+<file path=ppt/slides/slide6.xml><?xml version="1.0" encoding="utf-8"?>
+<p:sld xmlns:a="http://schemas.openxmlformats.org/drawingml/2006/main" xmlns:r="http://schemas.openxmlformats.org/officeDocument/2006/relationships" xmlns:p="http://schemas.openxmlformats.org/presentationml/2006/main">
+  <p:cSld>
+    <p:spTree>
+      <p:nvGrpSpPr>
+        <p:cNvPr id="1" name=""/>
+        <p:cNvGrpSpPr/>
+        <p:nvPr/>
+      </p:nvGrpSpPr>
+      <p:grpSpPr>
+        <a:xfrm>
+          <a:off x="0" y="0"/>
+          <a:ext cx="0" cy="0"/>
+          <a:chOff x="0" y="0"/>
+          <a:chExt cx="0" cy="0"/>
+        </a:xfrm>
+      </p:grpSpPr>
+      <p:sp>
+        <p:nvSpPr>
+          <p:cNvPr id="2" name="タイトル 1">
+            <a:extLst>
+              <a:ext uri="{FF2B5EF4-FFF2-40B4-BE49-F238E27FC236}">
+                <a16:creationId xmlns:a16="http://schemas.microsoft.com/office/drawing/2014/main" id="{B57E6C18-28B4-C464-8647-9E0E8FC29E95}"/>
+              </a:ext>
+            </a:extLst>
+          </p:cNvPr>
+          <p:cNvSpPr>
+            <a:spLocks noGrp="1"/>
+          </p:cNvSpPr>
+          <p:nvPr>
+            <p:ph type="title"/>
+          </p:nvPr>
+        </p:nvSpPr>
+        <p:spPr/>
+        <p:txBody>
+          <a:bodyPr/>
+          <a:lstStyle/>
+          <a:p>
+            <a:r>
+              <a:rPr kumimoji="1" lang="ja-JP" altLang="en-US" dirty="0"/>
+              <a:t>マージ</a:t>
+            </a:r>
+          </a:p>
+        </p:txBody>
+      </p:sp>
+      <p:sp>
+        <p:nvSpPr>
+          <p:cNvPr id="3" name="コンテンツ プレースホルダー 2">
+            <a:extLst>
+              <a:ext uri="{FF2B5EF4-FFF2-40B4-BE49-F238E27FC236}">
+                <a16:creationId xmlns:a16="http://schemas.microsoft.com/office/drawing/2014/main" id="{8A7974BE-BBDF-5D6C-74D8-25087D5D82EC}"/>
+              </a:ext>
+            </a:extLst>
+          </p:cNvPr>
+          <p:cNvSpPr>
+            <a:spLocks noGrp="1"/>
+          </p:cNvSpPr>
+          <p:nvPr>
+            <p:ph sz="half" idx="1"/>
+          </p:nvPr>
+        </p:nvSpPr>
+        <p:spPr>
+          <a:xfrm>
+            <a:off x="838200" y="1825625"/>
+            <a:ext cx="4233421" cy="4351338"/>
+          </a:xfrm>
+        </p:spPr>
+        <p:txBody>
+          <a:bodyPr/>
+          <a:lstStyle/>
+          <a:p>
+            <a:r>
+              <a:rPr lang="ja-JP" altLang="en-US" b="0" i="0" dirty="0">
+                <a:solidFill>
+                  <a:srgbClr val="2F2F2F"/>
+                </a:solidFill>
+                <a:effectLst/>
+                <a:latin typeface="Noto Sans JP"/>
+              </a:rPr>
+              <a:t>ブランチを統合させる手順を</a:t>
+            </a:r>
+            <a:r>
+              <a:rPr lang="ja-JP" altLang="en-US" b="1" i="0" dirty="0">
+                <a:solidFill>
+                  <a:srgbClr val="2F2F2F"/>
+                </a:solidFill>
+                <a:effectLst/>
+                <a:latin typeface="Noto Sans JP"/>
+              </a:rPr>
+              <a:t>マージ</a:t>
+            </a:r>
+            <a:endParaRPr kumimoji="1" lang="ja-JP" altLang="en-US" dirty="0"/>
+          </a:p>
+        </p:txBody>
+      </p:sp>
+      <p:pic>
+        <p:nvPicPr>
+          <p:cNvPr id="6146" name="Picture 2">
+            <a:extLst>
+              <a:ext uri="{FF2B5EF4-FFF2-40B4-BE49-F238E27FC236}">
+                <a16:creationId xmlns:a16="http://schemas.microsoft.com/office/drawing/2014/main" id="{5A79FBE8-5A08-DE1E-E7FD-0D2CDFEE0A9D}"/>
+              </a:ext>
+            </a:extLst>
+          </p:cNvPr>
+          <p:cNvPicPr>
+            <a:picLocks noChangeAspect="1" noChangeArrowheads="1"/>
+          </p:cNvPicPr>
+          <p:nvPr/>
+        </p:nvPicPr>
+        <p:blipFill>
+          <a:blip r:embed="rId2">
+            <a:extLst>
+              <a:ext uri="{28A0092B-C50C-407E-A947-70E740481C1C}">
+                <a14:useLocalDpi xmlns:a14="http://schemas.microsoft.com/office/drawing/2010/main" val="0"/>
+              </a:ext>
+            </a:extLst>
+          </a:blip>
+          <a:srcRect/>
+          <a:stretch>
+            <a:fillRect/>
+          </a:stretch>
+        </p:blipFill>
+        <p:spPr bwMode="auto">
+          <a:xfrm>
+            <a:off x="5222449" y="968375"/>
+            <a:ext cx="6858000" cy="2762250"/>
+          </a:xfrm>
+          <a:prstGeom prst="rect">
+            <a:avLst/>
+          </a:prstGeom>
+          <a:noFill/>
+          <a:extLst>
+            <a:ext uri="{909E8E84-426E-40DD-AFC4-6F175D3DCCD1}">
+              <a14:hiddenFill xmlns:a14="http://schemas.microsoft.com/office/drawing/2010/main">
+                <a:solidFill>
+                  <a:srgbClr val="FFFFFF"/>
+                </a:solidFill>
+              </a14:hiddenFill>
+            </a:ext>
+          </a:extLst>
+        </p:spPr>
+      </p:pic>
+      <p:pic>
+        <p:nvPicPr>
+          <p:cNvPr id="6148" name="Picture 4">
+            <a:extLst>
+              <a:ext uri="{FF2B5EF4-FFF2-40B4-BE49-F238E27FC236}">
+                <a16:creationId xmlns:a16="http://schemas.microsoft.com/office/drawing/2014/main" id="{77DF46FD-6723-5E7F-F21E-B86982394D46}"/>
+              </a:ext>
+            </a:extLst>
+          </p:cNvPr>
+          <p:cNvPicPr>
+            <a:picLocks noChangeAspect="1" noChangeArrowheads="1"/>
+          </p:cNvPicPr>
+          <p:nvPr/>
+        </p:nvPicPr>
+        <p:blipFill>
+          <a:blip r:embed="rId3">
+            <a:extLst>
+              <a:ext uri="{28A0092B-C50C-407E-A947-70E740481C1C}">
+                <a14:useLocalDpi xmlns:a14="http://schemas.microsoft.com/office/drawing/2010/main" val="0"/>
+              </a:ext>
+            </a:extLst>
+          </a:blip>
+          <a:srcRect/>
+          <a:stretch>
+            <a:fillRect/>
+          </a:stretch>
+        </p:blipFill>
+        <p:spPr bwMode="auto">
+          <a:xfrm>
+            <a:off x="5222449" y="3730625"/>
+            <a:ext cx="6858000" cy="2762250"/>
+          </a:xfrm>
+          <a:prstGeom prst="rect">
+            <a:avLst/>
+          </a:prstGeom>
+          <a:noFill/>
+          <a:extLst>
+            <a:ext uri="{909E8E84-426E-40DD-AFC4-6F175D3DCCD1}">
+              <a14:hiddenFill xmlns:a14="http://schemas.microsoft.com/office/drawing/2010/main">
+                <a:solidFill>
+                  <a:srgbClr val="FFFFFF"/>
+                </a:solidFill>
+              </a14:hiddenFill>
+            </a:ext>
+          </a:extLst>
+        </p:spPr>
+      </p:pic>
+    </p:spTree>
+    <p:extLst>
+      <p:ext uri="{BB962C8B-B14F-4D97-AF65-F5344CB8AC3E}">
+        <p14:creationId xmlns:p14="http://schemas.microsoft.com/office/powerpoint/2010/main" val="2408962990"/>
       </p:ext>
     </p:extLst>
   </p:cSld>
@@ -4025,4 +5796,299 @@
     </a:ext>
   </a:extLst>
 </a:theme>
+</file>
+
+<file path=ppt/theme/theme2.xml><?xml version="1.0" encoding="utf-8"?>
+<a:theme xmlns:a="http://schemas.openxmlformats.org/drawingml/2006/main" name="Office テーマ">
+  <a:themeElements>
+    <a:clrScheme name="Office">
+      <a:dk1>
+        <a:sysClr val="windowText" lastClr="000000"/>
+      </a:dk1>
+      <a:lt1>
+        <a:sysClr val="window" lastClr="FFFFFF"/>
+      </a:lt1>
+      <a:dk2>
+        <a:srgbClr val="44546A"/>
+      </a:dk2>
+      <a:lt2>
+        <a:srgbClr val="E7E6E6"/>
+      </a:lt2>
+      <a:accent1>
+        <a:srgbClr val="4472C4"/>
+      </a:accent1>
+      <a:accent2>
+        <a:srgbClr val="ED7D31"/>
+      </a:accent2>
+      <a:accent3>
+        <a:srgbClr val="A5A5A5"/>
+      </a:accent3>
+      <a:accent4>
+        <a:srgbClr val="FFC000"/>
+      </a:accent4>
+      <a:accent5>
+        <a:srgbClr val="5B9BD5"/>
+      </a:accent5>
+      <a:accent6>
+        <a:srgbClr val="70AD47"/>
+      </a:accent6>
+      <a:hlink>
+        <a:srgbClr val="0563C1"/>
+      </a:hlink>
+      <a:folHlink>
+        <a:srgbClr val="954F72"/>
+      </a:folHlink>
+    </a:clrScheme>
+    <a:fontScheme name="Office">
+      <a:majorFont>
+        <a:latin typeface="游ゴシック Light" panose="020F0302020204030204"/>
+        <a:ea typeface=""/>
+        <a:cs typeface=""/>
+        <a:font script="Jpan" typeface="游ゴシック Light"/>
+        <a:font script="Hang" typeface="맑은 고딕"/>
+        <a:font script="Hans" typeface="等线 Light"/>
+        <a:font script="Hant" typeface="新細明體"/>
+        <a:font script="Arab" typeface="Times New Roman"/>
+        <a:font script="Hebr" typeface="Times New Roman"/>
+        <a:font script="Thai" typeface="Angsana New"/>
+        <a:font script="Ethi" typeface="Nyala"/>
+        <a:font script="Beng" typeface="Vrinda"/>
+        <a:font script="Gujr" typeface="Shruti"/>
+        <a:font script="Khmr" typeface="MoolBoran"/>
+        <a:font script="Knda" typeface="Tunga"/>
+        <a:font script="Guru" typeface="Raavi"/>
+        <a:font script="Cans" typeface="Euphemia"/>
+        <a:font script="Cher" typeface="Plantagenet Cherokee"/>
+        <a:font script="Yiii" typeface="Microsoft Yi Baiti"/>
+        <a:font script="Tibt" typeface="Microsoft Himalaya"/>
+        <a:font script="Thaa" typeface="MV Boli"/>
+        <a:font script="Deva" typeface="Mangal"/>
+        <a:font script="Telu" typeface="Gautami"/>
+        <a:font script="Taml" typeface="Latha"/>
+        <a:font script="Syrc" typeface="Estrangelo Edessa"/>
+        <a:font script="Orya" typeface="Kalinga"/>
+        <a:font script="Mlym" typeface="Kartika"/>
+        <a:font script="Laoo" typeface="DokChampa"/>
+        <a:font script="Sinh" typeface="Iskoola Pota"/>
+        <a:font script="Mong" typeface="Mongolian Baiti"/>
+        <a:font script="Viet" typeface="Times New Roman"/>
+        <a:font script="Uigh" typeface="Microsoft Uighur"/>
+        <a:font script="Geor" typeface="Sylfaen"/>
+        <a:font script="Armn" typeface="Arial"/>
+        <a:font script="Bugi" typeface="Leelawadee UI"/>
+        <a:font script="Bopo" typeface="Microsoft JhengHei"/>
+        <a:font script="Java" typeface="Javanese Text"/>
+        <a:font script="Lisu" typeface="Segoe UI"/>
+        <a:font script="Mymr" typeface="Myanmar Text"/>
+        <a:font script="Nkoo" typeface="Ebrima"/>
+        <a:font script="Olck" typeface="Nirmala UI"/>
+        <a:font script="Osma" typeface="Ebrima"/>
+        <a:font script="Phag" typeface="Phagspa"/>
+        <a:font script="Syrn" typeface="Estrangelo Edessa"/>
+        <a:font script="Syrj" typeface="Estrangelo Edessa"/>
+        <a:font script="Syre" typeface="Estrangelo Edessa"/>
+        <a:font script="Sora" typeface="Nirmala UI"/>
+        <a:font script="Tale" typeface="Microsoft Tai Le"/>
+        <a:font script="Talu" typeface="Microsoft New Tai Lue"/>
+        <a:font script="Tfng" typeface="Ebrima"/>
+      </a:majorFont>
+      <a:minorFont>
+        <a:latin typeface="游ゴシック" panose="020F0502020204030204"/>
+        <a:ea typeface=""/>
+        <a:cs typeface=""/>
+        <a:font script="Jpan" typeface="游ゴシック"/>
+        <a:font script="Hang" typeface="맑은 고딕"/>
+        <a:font script="Hans" typeface="等线"/>
+        <a:font script="Hant" typeface="新細明體"/>
+        <a:font script="Arab" typeface="Arial"/>
+        <a:font script="Hebr" typeface="Arial"/>
+        <a:font script="Thai" typeface="Cordia New"/>
+        <a:font script="Ethi" typeface="Nyala"/>
+        <a:font script="Beng" typeface="Vrinda"/>
+        <a:font script="Gujr" typeface="Shruti"/>
+        <a:font script="Khmr" typeface="DaunPenh"/>
+        <a:font script="Knda" typeface="Tunga"/>
+        <a:font script="Guru" typeface="Raavi"/>
+        <a:font script="Cans" typeface="Euphemia"/>
+        <a:font script="Cher" typeface="Plantagenet Cherokee"/>
+        <a:font script="Yiii" typeface="Microsoft Yi Baiti"/>
+        <a:font script="Tibt" typeface="Microsoft Himalaya"/>
+        <a:font script="Thaa" typeface="MV Boli"/>
+        <a:font script="Deva" typeface="Mangal"/>
+        <a:font script="Telu" typeface="Gautami"/>
+        <a:font script="Taml" typeface="Latha"/>
+        <a:font script="Syrc" typeface="Estrangelo Edessa"/>
+        <a:font script="Orya" typeface="Kalinga"/>
+        <a:font script="Mlym" typeface="Kartika"/>
+        <a:font script="Laoo" typeface="DokChampa"/>
+        <a:font script="Sinh" typeface="Iskoola Pota"/>
+        <a:font script="Mong" typeface="Mongolian Baiti"/>
+        <a:font script="Viet" typeface="Arial"/>
+        <a:font script="Uigh" typeface="Microsoft Uighur"/>
+        <a:font script="Geor" typeface="Sylfaen"/>
+        <a:font script="Armn" typeface="Arial"/>
+        <a:font script="Bugi" typeface="Leelawadee UI"/>
+        <a:font script="Bopo" typeface="Microsoft JhengHei"/>
+        <a:font script="Java" typeface="Javanese Text"/>
+        <a:font script="Lisu" typeface="Segoe UI"/>
+        <a:font script="Mymr" typeface="Myanmar Text"/>
+        <a:font script="Nkoo" typeface="Ebrima"/>
+        <a:font script="Olck" typeface="Nirmala UI"/>
+        <a:font script="Osma" typeface="Ebrima"/>
+        <a:font script="Phag" typeface="Phagspa"/>
+        <a:font script="Syrn" typeface="Estrangelo Edessa"/>
+        <a:font script="Syrj" typeface="Estrangelo Edessa"/>
+        <a:font script="Syre" typeface="Estrangelo Edessa"/>
+        <a:font script="Sora" typeface="Nirmala UI"/>
+        <a:font script="Tale" typeface="Microsoft Tai Le"/>
+        <a:font script="Talu" typeface="Microsoft New Tai Lue"/>
+        <a:font script="Tfng" typeface="Ebrima"/>
+      </a:minorFont>
+    </a:fontScheme>
+    <a:fmtScheme name="Office">
+      <a:fillStyleLst>
+        <a:solidFill>
+          <a:schemeClr val="phClr"/>
+        </a:solidFill>
+        <a:gradFill rotWithShape="1">
+          <a:gsLst>
+            <a:gs pos="0">
+              <a:schemeClr val="phClr">
+                <a:lumMod val="110000"/>
+                <a:satMod val="105000"/>
+                <a:tint val="67000"/>
+              </a:schemeClr>
+            </a:gs>
+            <a:gs pos="50000">
+              <a:schemeClr val="phClr">
+                <a:lumMod val="105000"/>
+                <a:satMod val="103000"/>
+                <a:tint val="73000"/>
+              </a:schemeClr>
+            </a:gs>
+            <a:gs pos="100000">
+              <a:schemeClr val="phClr">
+                <a:lumMod val="105000"/>
+                <a:satMod val="109000"/>
+                <a:tint val="81000"/>
+              </a:schemeClr>
+            </a:gs>
+          </a:gsLst>
+          <a:lin ang="5400000" scaled="0"/>
+        </a:gradFill>
+        <a:gradFill rotWithShape="1">
+          <a:gsLst>
+            <a:gs pos="0">
+              <a:schemeClr val="phClr">
+                <a:satMod val="103000"/>
+                <a:lumMod val="102000"/>
+                <a:tint val="94000"/>
+              </a:schemeClr>
+            </a:gs>
+            <a:gs pos="50000">
+              <a:schemeClr val="phClr">
+                <a:satMod val="110000"/>
+                <a:lumMod val="100000"/>
+                <a:shade val="100000"/>
+              </a:schemeClr>
+            </a:gs>
+            <a:gs pos="100000">
+              <a:schemeClr val="phClr">
+                <a:lumMod val="99000"/>
+                <a:satMod val="120000"/>
+                <a:shade val="78000"/>
+              </a:schemeClr>
+            </a:gs>
+          </a:gsLst>
+          <a:lin ang="5400000" scaled="0"/>
+        </a:gradFill>
+      </a:fillStyleLst>
+      <a:lnStyleLst>
+        <a:ln w="6350" cap="flat" cmpd="sng" algn="ctr">
+          <a:solidFill>
+            <a:schemeClr val="phClr"/>
+          </a:solidFill>
+          <a:prstDash val="solid"/>
+          <a:miter lim="800000"/>
+        </a:ln>
+        <a:ln w="12700" cap="flat" cmpd="sng" algn="ctr">
+          <a:solidFill>
+            <a:schemeClr val="phClr"/>
+          </a:solidFill>
+          <a:prstDash val="solid"/>
+          <a:miter lim="800000"/>
+        </a:ln>
+        <a:ln w="19050" cap="flat" cmpd="sng" algn="ctr">
+          <a:solidFill>
+            <a:schemeClr val="phClr"/>
+          </a:solidFill>
+          <a:prstDash val="solid"/>
+          <a:miter lim="800000"/>
+        </a:ln>
+      </a:lnStyleLst>
+      <a:effectStyleLst>
+        <a:effectStyle>
+          <a:effectLst/>
+        </a:effectStyle>
+        <a:effectStyle>
+          <a:effectLst/>
+        </a:effectStyle>
+        <a:effectStyle>
+          <a:effectLst>
+            <a:outerShdw blurRad="57150" dist="19050" dir="5400000" algn="ctr" rotWithShape="0">
+              <a:srgbClr val="000000">
+                <a:alpha val="63000"/>
+              </a:srgbClr>
+            </a:outerShdw>
+          </a:effectLst>
+        </a:effectStyle>
+      </a:effectStyleLst>
+      <a:bgFillStyleLst>
+        <a:solidFill>
+          <a:schemeClr val="phClr"/>
+        </a:solidFill>
+        <a:solidFill>
+          <a:schemeClr val="phClr">
+            <a:tint val="95000"/>
+            <a:satMod val="170000"/>
+          </a:schemeClr>
+        </a:solidFill>
+        <a:gradFill rotWithShape="1">
+          <a:gsLst>
+            <a:gs pos="0">
+              <a:schemeClr val="phClr">
+                <a:tint val="93000"/>
+                <a:satMod val="150000"/>
+                <a:shade val="98000"/>
+                <a:lumMod val="102000"/>
+              </a:schemeClr>
+            </a:gs>
+            <a:gs pos="50000">
+              <a:schemeClr val="phClr">
+                <a:tint val="98000"/>
+                <a:satMod val="130000"/>
+                <a:shade val="90000"/>
+                <a:lumMod val="103000"/>
+              </a:schemeClr>
+            </a:gs>
+            <a:gs pos="100000">
+              <a:schemeClr val="phClr">
+                <a:shade val="63000"/>
+                <a:satMod val="120000"/>
+              </a:schemeClr>
+            </a:gs>
+          </a:gsLst>
+          <a:lin ang="5400000" scaled="0"/>
+        </a:gradFill>
+      </a:bgFillStyleLst>
+    </a:fmtScheme>
+  </a:themeElements>
+  <a:objectDefaults/>
+  <a:extraClrSchemeLst/>
+  <a:extLst>
+    <a:ext uri="{05A4C25C-085E-4340-85A3-A5531E510DB2}">
+      <thm15:themeFamily xmlns:thm15="http://schemas.microsoft.com/office/thememl/2012/main" name="Office Theme 2013 - 2022" id="{62F939B6-93AF-4DB8-9C6B-D6C7DFDC589F}" vid="{4A3C46E8-61CC-4603-A589-7422A47A8E4A}"/>
+    </a:ext>
+  </a:extLst>
+</a:theme>
 </file>